--- a/docpac_07141022/Reekly Weview.pptx
+++ b/docpac_07141022/Reekly Weview.pptx
@@ -111,7 +111,83 @@
       </a:defRPr>
     </a:lvl9pPr>
   </p:defaultTextStyle>
+  <p:extLst>
+    <p:ext uri="{EFAFB233-063F-42B5-8137-9DF3F51BA10A}">
+      <p15:sldGuideLst xmlns:p15="http://schemas.microsoft.com/office/powerpoint/2012/main"/>
+    </p:ext>
+  </p:extLst>
 </p:presentation>
+</file>
+
+<file path=ppt/revisionInfo.xml><?xml version="1.0" encoding="utf-8"?>
+<p1510:revInfo xmlns:a="http://schemas.openxmlformats.org/drawingml/2006/main" xmlns:r="http://schemas.openxmlformats.org/officeDocument/2006/relationships" xmlns:p1510="http://schemas.microsoft.com/office/powerpoint/2015/10/main">
+  <p1510:revLst>
+    <p1510:client id="{E89926D6-C75A-4F0A-85B7-A3BF2451F47E}" v="7" dt="2022-10-11T13:54:22.106"/>
+  </p1510:revLst>
+</p1510:revInfo>
+</file>
+
+<file path=ppt/changesInfos/changesInfo1.xml><?xml version="1.0" encoding="utf-8"?>
+<pc:chgInfo xmlns:a="http://schemas.openxmlformats.org/drawingml/2006/main" xmlns:r="http://schemas.openxmlformats.org/officeDocument/2006/relationships" xmlns:ac="http://schemas.microsoft.com/office/drawing/2013/main/command" xmlns:pc="http://schemas.microsoft.com/office/powerpoint/2013/main/command">
+  <pc:docChgLst>
+    <pc:chgData name="SMITH, CHRISTOPHER" userId="dd7fc2d5-9988-40ef-9498-c94fd49fd9a4" providerId="ADAL" clId="{E89926D6-C75A-4F0A-85B7-A3BF2451F47E}"/>
+    <pc:docChg chg="modSld">
+      <pc:chgData name="SMITH, CHRISTOPHER" userId="dd7fc2d5-9988-40ef-9498-c94fd49fd9a4" providerId="ADAL" clId="{E89926D6-C75A-4F0A-85B7-A3BF2451F47E}" dt="2022-10-11T13:54:22.106" v="6"/>
+      <pc:docMkLst>
+        <pc:docMk/>
+      </pc:docMkLst>
+      <pc:sldChg chg="modAnim">
+        <pc:chgData name="SMITH, CHRISTOPHER" userId="dd7fc2d5-9988-40ef-9498-c94fd49fd9a4" providerId="ADAL" clId="{E89926D6-C75A-4F0A-85B7-A3BF2451F47E}" dt="2022-10-11T13:54:08.279" v="0"/>
+        <pc:sldMkLst>
+          <pc:docMk/>
+          <pc:sldMk cId="580905212" sldId="257"/>
+        </pc:sldMkLst>
+      </pc:sldChg>
+      <pc:sldChg chg="modAnim">
+        <pc:chgData name="SMITH, CHRISTOPHER" userId="dd7fc2d5-9988-40ef-9498-c94fd49fd9a4" providerId="ADAL" clId="{E89926D6-C75A-4F0A-85B7-A3BF2451F47E}" dt="2022-10-11T13:54:12.346" v="2"/>
+        <pc:sldMkLst>
+          <pc:docMk/>
+          <pc:sldMk cId="569261066" sldId="258"/>
+        </pc:sldMkLst>
+      </pc:sldChg>
+      <pc:sldChg chg="modAnim">
+        <pc:chgData name="SMITH, CHRISTOPHER" userId="dd7fc2d5-9988-40ef-9498-c94fd49fd9a4" providerId="ADAL" clId="{E89926D6-C75A-4F0A-85B7-A3BF2451F47E}" dt="2022-10-11T13:54:10.529" v="1"/>
+        <pc:sldMkLst>
+          <pc:docMk/>
+          <pc:sldMk cId="1591740712" sldId="259"/>
+        </pc:sldMkLst>
+      </pc:sldChg>
+      <pc:sldChg chg="modAnim">
+        <pc:chgData name="SMITH, CHRISTOPHER" userId="dd7fc2d5-9988-40ef-9498-c94fd49fd9a4" providerId="ADAL" clId="{E89926D6-C75A-4F0A-85B7-A3BF2451F47E}" dt="2022-10-11T13:54:20.215" v="5"/>
+        <pc:sldMkLst>
+          <pc:docMk/>
+          <pc:sldMk cId="1786775275" sldId="260"/>
+        </pc:sldMkLst>
+      </pc:sldChg>
+      <pc:sldChg chg="modAnim">
+        <pc:chgData name="SMITH, CHRISTOPHER" userId="dd7fc2d5-9988-40ef-9498-c94fd49fd9a4" providerId="ADAL" clId="{E89926D6-C75A-4F0A-85B7-A3BF2451F47E}" dt="2022-10-11T13:54:22.106" v="6"/>
+        <pc:sldMkLst>
+          <pc:docMk/>
+          <pc:sldMk cId="512978452" sldId="261"/>
+        </pc:sldMkLst>
+      </pc:sldChg>
+      <pc:sldChg chg="modAnim">
+        <pc:chgData name="SMITH, CHRISTOPHER" userId="dd7fc2d5-9988-40ef-9498-c94fd49fd9a4" providerId="ADAL" clId="{E89926D6-C75A-4F0A-85B7-A3BF2451F47E}" dt="2022-10-11T13:54:14.447" v="3"/>
+        <pc:sldMkLst>
+          <pc:docMk/>
+          <pc:sldMk cId="3412631675" sldId="262"/>
+        </pc:sldMkLst>
+      </pc:sldChg>
+      <pc:sldChg chg="modAnim">
+        <pc:chgData name="SMITH, CHRISTOPHER" userId="dd7fc2d5-9988-40ef-9498-c94fd49fd9a4" providerId="ADAL" clId="{E89926D6-C75A-4F0A-85B7-A3BF2451F47E}" dt="2022-10-11T13:54:17.523" v="4"/>
+        <pc:sldMkLst>
+          <pc:docMk/>
+          <pc:sldMk cId="4077818719" sldId="263"/>
+        </pc:sldMkLst>
+      </pc:sldChg>
+    </pc:docChg>
+  </pc:docChgLst>
+</pc:chgInfo>
 </file>
 
 <file path=ppt/slideLayouts/slideLayout1.xml><?xml version="1.0" encoding="utf-8"?>
@@ -3514,6 +3590,186 @@
   <p:clrMapOvr>
     <a:masterClrMapping/>
   </p:clrMapOvr>
+  <p:timing>
+    <p:tnLst>
+      <p:par>
+        <p:cTn id="1" dur="indefinite" restart="never" nodeType="tmRoot">
+          <p:childTnLst>
+            <p:seq concurrent="1" nextAc="seek">
+              <p:cTn id="2" dur="indefinite" nodeType="mainSeq">
+                <p:childTnLst>
+                  <p:par>
+                    <p:cTn id="3" fill="hold">
+                      <p:stCondLst>
+                        <p:cond delay="indefinite"/>
+                      </p:stCondLst>
+                      <p:childTnLst>
+                        <p:par>
+                          <p:cTn id="4" fill="hold">
+                            <p:stCondLst>
+                              <p:cond delay="0"/>
+                            </p:stCondLst>
+                            <p:childTnLst>
+                              <p:par>
+                                <p:cTn id="5" presetID="1" presetClass="entr" presetSubtype="0" fill="hold" grpId="0" nodeType="clickEffect">
+                                  <p:stCondLst>
+                                    <p:cond delay="0"/>
+                                  </p:stCondLst>
+                                  <p:childTnLst>
+                                    <p:set>
+                                      <p:cBhvr>
+                                        <p:cTn id="6" dur="1" fill="hold">
+                                          <p:stCondLst>
+                                            <p:cond delay="0"/>
+                                          </p:stCondLst>
+                                        </p:cTn>
+                                        <p:tgtEl>
+                                          <p:spTgt spid="3">
+                                            <p:txEl>
+                                              <p:pRg st="0" end="0"/>
+                                            </p:txEl>
+                                          </p:spTgt>
+                                        </p:tgtEl>
+                                        <p:attrNameLst>
+                                          <p:attrName>style.visibility</p:attrName>
+                                        </p:attrNameLst>
+                                      </p:cBhvr>
+                                      <p:to>
+                                        <p:strVal val="visible"/>
+                                      </p:to>
+                                    </p:set>
+                                  </p:childTnLst>
+                                </p:cTn>
+                              </p:par>
+                            </p:childTnLst>
+                          </p:cTn>
+                        </p:par>
+                      </p:childTnLst>
+                    </p:cTn>
+                  </p:par>
+                  <p:par>
+                    <p:cTn id="7" fill="hold">
+                      <p:stCondLst>
+                        <p:cond delay="indefinite"/>
+                      </p:stCondLst>
+                      <p:childTnLst>
+                        <p:par>
+                          <p:cTn id="8" fill="hold">
+                            <p:stCondLst>
+                              <p:cond delay="0"/>
+                            </p:stCondLst>
+                            <p:childTnLst>
+                              <p:par>
+                                <p:cTn id="9" presetID="1" presetClass="entr" presetSubtype="0" fill="hold" grpId="0" nodeType="clickEffect">
+                                  <p:stCondLst>
+                                    <p:cond delay="0"/>
+                                  </p:stCondLst>
+                                  <p:childTnLst>
+                                    <p:set>
+                                      <p:cBhvr>
+                                        <p:cTn id="10" dur="1" fill="hold">
+                                          <p:stCondLst>
+                                            <p:cond delay="0"/>
+                                          </p:stCondLst>
+                                        </p:cTn>
+                                        <p:tgtEl>
+                                          <p:spTgt spid="3">
+                                            <p:txEl>
+                                              <p:pRg st="1" end="1"/>
+                                            </p:txEl>
+                                          </p:spTgt>
+                                        </p:tgtEl>
+                                        <p:attrNameLst>
+                                          <p:attrName>style.visibility</p:attrName>
+                                        </p:attrNameLst>
+                                      </p:cBhvr>
+                                      <p:to>
+                                        <p:strVal val="visible"/>
+                                      </p:to>
+                                    </p:set>
+                                  </p:childTnLst>
+                                </p:cTn>
+                              </p:par>
+                            </p:childTnLst>
+                          </p:cTn>
+                        </p:par>
+                      </p:childTnLst>
+                    </p:cTn>
+                  </p:par>
+                  <p:par>
+                    <p:cTn id="11" fill="hold">
+                      <p:stCondLst>
+                        <p:cond delay="indefinite"/>
+                      </p:stCondLst>
+                      <p:childTnLst>
+                        <p:par>
+                          <p:cTn id="12" fill="hold">
+                            <p:stCondLst>
+                              <p:cond delay="0"/>
+                            </p:stCondLst>
+                            <p:childTnLst>
+                              <p:par>
+                                <p:cTn id="13" presetID="1" presetClass="entr" presetSubtype="0" fill="hold" grpId="0" nodeType="clickEffect">
+                                  <p:stCondLst>
+                                    <p:cond delay="0"/>
+                                  </p:stCondLst>
+                                  <p:childTnLst>
+                                    <p:set>
+                                      <p:cBhvr>
+                                        <p:cTn id="14" dur="1" fill="hold">
+                                          <p:stCondLst>
+                                            <p:cond delay="0"/>
+                                          </p:stCondLst>
+                                        </p:cTn>
+                                        <p:tgtEl>
+                                          <p:spTgt spid="3">
+                                            <p:txEl>
+                                              <p:pRg st="3" end="3"/>
+                                            </p:txEl>
+                                          </p:spTgt>
+                                        </p:tgtEl>
+                                        <p:attrNameLst>
+                                          <p:attrName>style.visibility</p:attrName>
+                                        </p:attrNameLst>
+                                      </p:cBhvr>
+                                      <p:to>
+                                        <p:strVal val="visible"/>
+                                      </p:to>
+                                    </p:set>
+                                  </p:childTnLst>
+                                </p:cTn>
+                              </p:par>
+                            </p:childTnLst>
+                          </p:cTn>
+                        </p:par>
+                      </p:childTnLst>
+                    </p:cTn>
+                  </p:par>
+                </p:childTnLst>
+              </p:cTn>
+              <p:prevCondLst>
+                <p:cond evt="onPrev" delay="0">
+                  <p:tgtEl>
+                    <p:sldTgt/>
+                  </p:tgtEl>
+                </p:cond>
+              </p:prevCondLst>
+              <p:nextCondLst>
+                <p:cond evt="onNext" delay="0">
+                  <p:tgtEl>
+                    <p:sldTgt/>
+                  </p:tgtEl>
+                </p:cond>
+              </p:nextCondLst>
+            </p:seq>
+          </p:childTnLst>
+        </p:cTn>
+      </p:par>
+    </p:tnLst>
+    <p:bldLst>
+      <p:bldP spid="3" grpId="0" build="p"/>
+    </p:bldLst>
+  </p:timing>
 </p:sld>
 </file>
 
@@ -3628,6 +3884,199 @@
   <p:clrMapOvr>
     <a:masterClrMapping/>
   </p:clrMapOvr>
+  <p:timing>
+    <p:tnLst>
+      <p:par>
+        <p:cTn id="1" dur="indefinite" restart="never" nodeType="tmRoot">
+          <p:childTnLst>
+            <p:seq concurrent="1" nextAc="seek">
+              <p:cTn id="2" dur="indefinite" nodeType="mainSeq">
+                <p:childTnLst>
+                  <p:par>
+                    <p:cTn id="3" fill="hold">
+                      <p:stCondLst>
+                        <p:cond delay="indefinite"/>
+                      </p:stCondLst>
+                      <p:childTnLst>
+                        <p:par>
+                          <p:cTn id="4" fill="hold">
+                            <p:stCondLst>
+                              <p:cond delay="0"/>
+                            </p:stCondLst>
+                            <p:childTnLst>
+                              <p:par>
+                                <p:cTn id="5" presetID="1" presetClass="entr" presetSubtype="0" fill="hold" grpId="0" nodeType="clickEffect">
+                                  <p:stCondLst>
+                                    <p:cond delay="0"/>
+                                  </p:stCondLst>
+                                  <p:childTnLst>
+                                    <p:set>
+                                      <p:cBhvr>
+                                        <p:cTn id="6" dur="1" fill="hold">
+                                          <p:stCondLst>
+                                            <p:cond delay="0"/>
+                                          </p:stCondLst>
+                                        </p:cTn>
+                                        <p:tgtEl>
+                                          <p:spTgt spid="3">
+                                            <p:txEl>
+                                              <p:pRg st="0" end="0"/>
+                                            </p:txEl>
+                                          </p:spTgt>
+                                        </p:tgtEl>
+                                        <p:attrNameLst>
+                                          <p:attrName>style.visibility</p:attrName>
+                                        </p:attrNameLst>
+                                      </p:cBhvr>
+                                      <p:to>
+                                        <p:strVal val="visible"/>
+                                      </p:to>
+                                    </p:set>
+                                  </p:childTnLst>
+                                </p:cTn>
+                              </p:par>
+                              <p:par>
+                                <p:cTn id="7" presetID="1" presetClass="entr" presetSubtype="0" fill="hold" grpId="0" nodeType="withEffect">
+                                  <p:stCondLst>
+                                    <p:cond delay="0"/>
+                                  </p:stCondLst>
+                                  <p:childTnLst>
+                                    <p:set>
+                                      <p:cBhvr>
+                                        <p:cTn id="8" dur="1" fill="hold">
+                                          <p:stCondLst>
+                                            <p:cond delay="0"/>
+                                          </p:stCondLst>
+                                        </p:cTn>
+                                        <p:tgtEl>
+                                          <p:spTgt spid="3">
+                                            <p:txEl>
+                                              <p:pRg st="1" end="1"/>
+                                            </p:txEl>
+                                          </p:spTgt>
+                                        </p:tgtEl>
+                                        <p:attrNameLst>
+                                          <p:attrName>style.visibility</p:attrName>
+                                        </p:attrNameLst>
+                                      </p:cBhvr>
+                                      <p:to>
+                                        <p:strVal val="visible"/>
+                                      </p:to>
+                                    </p:set>
+                                  </p:childTnLst>
+                                </p:cTn>
+                              </p:par>
+                            </p:childTnLst>
+                          </p:cTn>
+                        </p:par>
+                      </p:childTnLst>
+                    </p:cTn>
+                  </p:par>
+                  <p:par>
+                    <p:cTn id="9" fill="hold">
+                      <p:stCondLst>
+                        <p:cond delay="indefinite"/>
+                      </p:stCondLst>
+                      <p:childTnLst>
+                        <p:par>
+                          <p:cTn id="10" fill="hold">
+                            <p:stCondLst>
+                              <p:cond delay="0"/>
+                            </p:stCondLst>
+                            <p:childTnLst>
+                              <p:par>
+                                <p:cTn id="11" presetID="1" presetClass="entr" presetSubtype="0" fill="hold" grpId="0" nodeType="clickEffect">
+                                  <p:stCondLst>
+                                    <p:cond delay="0"/>
+                                  </p:stCondLst>
+                                  <p:childTnLst>
+                                    <p:set>
+                                      <p:cBhvr>
+                                        <p:cTn id="12" dur="1" fill="hold">
+                                          <p:stCondLst>
+                                            <p:cond delay="0"/>
+                                          </p:stCondLst>
+                                        </p:cTn>
+                                        <p:tgtEl>
+                                          <p:spTgt spid="3">
+                                            <p:txEl>
+                                              <p:pRg st="2" end="2"/>
+                                            </p:txEl>
+                                          </p:spTgt>
+                                        </p:tgtEl>
+                                        <p:attrNameLst>
+                                          <p:attrName>style.visibility</p:attrName>
+                                        </p:attrNameLst>
+                                      </p:cBhvr>
+                                      <p:to>
+                                        <p:strVal val="visible"/>
+                                      </p:to>
+                                    </p:set>
+                                  </p:childTnLst>
+                                </p:cTn>
+                              </p:par>
+                              <p:par>
+                                <p:cTn id="13" presetID="1" presetClass="entr" presetSubtype="0" fill="hold" grpId="0" nodeType="withEffect">
+                                  <p:stCondLst>
+                                    <p:cond delay="0"/>
+                                  </p:stCondLst>
+                                  <p:childTnLst>
+                                    <p:set>
+                                      <p:cBhvr>
+                                        <p:cTn id="14" dur="1" fill="hold">
+                                          <p:stCondLst>
+                                            <p:cond delay="0"/>
+                                          </p:stCondLst>
+                                        </p:cTn>
+                                        <p:tgtEl>
+                                          <p:spTgt spid="3">
+                                            <p:txEl>
+                                              <p:pRg st="3" end="3"/>
+                                            </p:txEl>
+                                          </p:spTgt>
+                                        </p:tgtEl>
+                                        <p:attrNameLst>
+                                          <p:attrName>style.visibility</p:attrName>
+                                        </p:attrNameLst>
+                                      </p:cBhvr>
+                                      <p:to>
+                                        <p:strVal val="visible"/>
+                                      </p:to>
+                                    </p:set>
+                                  </p:childTnLst>
+                                </p:cTn>
+                              </p:par>
+                            </p:childTnLst>
+                          </p:cTn>
+                        </p:par>
+                      </p:childTnLst>
+                    </p:cTn>
+                  </p:par>
+                </p:childTnLst>
+              </p:cTn>
+              <p:prevCondLst>
+                <p:cond evt="onPrev" delay="0">
+                  <p:tgtEl>
+                    <p:sldTgt/>
+                  </p:tgtEl>
+                </p:cond>
+              </p:prevCondLst>
+              <p:nextCondLst>
+                <p:cond evt="onNext" delay="0">
+                  <p:tgtEl>
+                    <p:sldTgt/>
+                  </p:tgtEl>
+                </p:cond>
+              </p:nextCondLst>
+            </p:seq>
+          </p:childTnLst>
+        </p:cTn>
+      </p:par>
+    </p:tnLst>
+    <p:bldLst>
+      <p:bldP spid="3" grpId="0" build="p"/>
+    </p:bldLst>
+  </p:timing>
 </p:sld>
 </file>
 
@@ -3766,6 +4215,310 @@
   <p:clrMapOvr>
     <a:masterClrMapping/>
   </p:clrMapOvr>
+  <p:timing>
+    <p:tnLst>
+      <p:par>
+        <p:cTn id="1" dur="indefinite" restart="never" nodeType="tmRoot">
+          <p:childTnLst>
+            <p:seq concurrent="1" nextAc="seek">
+              <p:cTn id="2" dur="indefinite" nodeType="mainSeq">
+                <p:childTnLst>
+                  <p:par>
+                    <p:cTn id="3" fill="hold">
+                      <p:stCondLst>
+                        <p:cond delay="indefinite"/>
+                      </p:stCondLst>
+                      <p:childTnLst>
+                        <p:par>
+                          <p:cTn id="4" fill="hold">
+                            <p:stCondLst>
+                              <p:cond delay="0"/>
+                            </p:stCondLst>
+                            <p:childTnLst>
+                              <p:par>
+                                <p:cTn id="5" presetID="1" presetClass="entr" presetSubtype="0" fill="hold" grpId="0" nodeType="clickEffect">
+                                  <p:stCondLst>
+                                    <p:cond delay="0"/>
+                                  </p:stCondLst>
+                                  <p:childTnLst>
+                                    <p:set>
+                                      <p:cBhvr>
+                                        <p:cTn id="6" dur="1" fill="hold">
+                                          <p:stCondLst>
+                                            <p:cond delay="0"/>
+                                          </p:stCondLst>
+                                        </p:cTn>
+                                        <p:tgtEl>
+                                          <p:spTgt spid="3">
+                                            <p:txEl>
+                                              <p:pRg st="0" end="0"/>
+                                            </p:txEl>
+                                          </p:spTgt>
+                                        </p:tgtEl>
+                                        <p:attrNameLst>
+                                          <p:attrName>style.visibility</p:attrName>
+                                        </p:attrNameLst>
+                                      </p:cBhvr>
+                                      <p:to>
+                                        <p:strVal val="visible"/>
+                                      </p:to>
+                                    </p:set>
+                                  </p:childTnLst>
+                                </p:cTn>
+                              </p:par>
+                              <p:par>
+                                <p:cTn id="7" presetID="1" presetClass="entr" presetSubtype="0" fill="hold" grpId="0" nodeType="withEffect">
+                                  <p:stCondLst>
+                                    <p:cond delay="0"/>
+                                  </p:stCondLst>
+                                  <p:childTnLst>
+                                    <p:set>
+                                      <p:cBhvr>
+                                        <p:cTn id="8" dur="1" fill="hold">
+                                          <p:stCondLst>
+                                            <p:cond delay="0"/>
+                                          </p:stCondLst>
+                                        </p:cTn>
+                                        <p:tgtEl>
+                                          <p:spTgt spid="3">
+                                            <p:txEl>
+                                              <p:pRg st="1" end="1"/>
+                                            </p:txEl>
+                                          </p:spTgt>
+                                        </p:tgtEl>
+                                        <p:attrNameLst>
+                                          <p:attrName>style.visibility</p:attrName>
+                                        </p:attrNameLst>
+                                      </p:cBhvr>
+                                      <p:to>
+                                        <p:strVal val="visible"/>
+                                      </p:to>
+                                    </p:set>
+                                  </p:childTnLst>
+                                </p:cTn>
+                              </p:par>
+                              <p:par>
+                                <p:cTn id="9" presetID="1" presetClass="entr" presetSubtype="0" fill="hold" grpId="0" nodeType="withEffect">
+                                  <p:stCondLst>
+                                    <p:cond delay="0"/>
+                                  </p:stCondLst>
+                                  <p:childTnLst>
+                                    <p:set>
+                                      <p:cBhvr>
+                                        <p:cTn id="10" dur="1" fill="hold">
+                                          <p:stCondLst>
+                                            <p:cond delay="0"/>
+                                          </p:stCondLst>
+                                        </p:cTn>
+                                        <p:tgtEl>
+                                          <p:spTgt spid="3">
+                                            <p:txEl>
+                                              <p:pRg st="2" end="2"/>
+                                            </p:txEl>
+                                          </p:spTgt>
+                                        </p:tgtEl>
+                                        <p:attrNameLst>
+                                          <p:attrName>style.visibility</p:attrName>
+                                        </p:attrNameLst>
+                                      </p:cBhvr>
+                                      <p:to>
+                                        <p:strVal val="visible"/>
+                                      </p:to>
+                                    </p:set>
+                                  </p:childTnLst>
+                                </p:cTn>
+                              </p:par>
+                            </p:childTnLst>
+                          </p:cTn>
+                        </p:par>
+                      </p:childTnLst>
+                    </p:cTn>
+                  </p:par>
+                  <p:par>
+                    <p:cTn id="11" fill="hold">
+                      <p:stCondLst>
+                        <p:cond delay="indefinite"/>
+                      </p:stCondLst>
+                      <p:childTnLst>
+                        <p:par>
+                          <p:cTn id="12" fill="hold">
+                            <p:stCondLst>
+                              <p:cond delay="0"/>
+                            </p:stCondLst>
+                            <p:childTnLst>
+                              <p:par>
+                                <p:cTn id="13" presetID="1" presetClass="entr" presetSubtype="0" fill="hold" grpId="0" nodeType="clickEffect">
+                                  <p:stCondLst>
+                                    <p:cond delay="0"/>
+                                  </p:stCondLst>
+                                  <p:childTnLst>
+                                    <p:set>
+                                      <p:cBhvr>
+                                        <p:cTn id="14" dur="1" fill="hold">
+                                          <p:stCondLst>
+                                            <p:cond delay="0"/>
+                                          </p:stCondLst>
+                                        </p:cTn>
+                                        <p:tgtEl>
+                                          <p:spTgt spid="3">
+                                            <p:txEl>
+                                              <p:pRg st="3" end="3"/>
+                                            </p:txEl>
+                                          </p:spTgt>
+                                        </p:tgtEl>
+                                        <p:attrNameLst>
+                                          <p:attrName>style.visibility</p:attrName>
+                                        </p:attrNameLst>
+                                      </p:cBhvr>
+                                      <p:to>
+                                        <p:strVal val="visible"/>
+                                      </p:to>
+                                    </p:set>
+                                  </p:childTnLst>
+                                </p:cTn>
+                              </p:par>
+                              <p:par>
+                                <p:cTn id="15" presetID="1" presetClass="entr" presetSubtype="0" fill="hold" grpId="0" nodeType="withEffect">
+                                  <p:stCondLst>
+                                    <p:cond delay="0"/>
+                                  </p:stCondLst>
+                                  <p:childTnLst>
+                                    <p:set>
+                                      <p:cBhvr>
+                                        <p:cTn id="16" dur="1" fill="hold">
+                                          <p:stCondLst>
+                                            <p:cond delay="0"/>
+                                          </p:stCondLst>
+                                        </p:cTn>
+                                        <p:tgtEl>
+                                          <p:spTgt spid="3">
+                                            <p:txEl>
+                                              <p:pRg st="4" end="4"/>
+                                            </p:txEl>
+                                          </p:spTgt>
+                                        </p:tgtEl>
+                                        <p:attrNameLst>
+                                          <p:attrName>style.visibility</p:attrName>
+                                        </p:attrNameLst>
+                                      </p:cBhvr>
+                                      <p:to>
+                                        <p:strVal val="visible"/>
+                                      </p:to>
+                                    </p:set>
+                                  </p:childTnLst>
+                                </p:cTn>
+                              </p:par>
+                            </p:childTnLst>
+                          </p:cTn>
+                        </p:par>
+                      </p:childTnLst>
+                    </p:cTn>
+                  </p:par>
+                  <p:par>
+                    <p:cTn id="17" fill="hold">
+                      <p:stCondLst>
+                        <p:cond delay="indefinite"/>
+                      </p:stCondLst>
+                      <p:childTnLst>
+                        <p:par>
+                          <p:cTn id="18" fill="hold">
+                            <p:stCondLst>
+                              <p:cond delay="0"/>
+                            </p:stCondLst>
+                            <p:childTnLst>
+                              <p:par>
+                                <p:cTn id="19" presetID="1" presetClass="entr" presetSubtype="0" fill="hold" grpId="0" nodeType="clickEffect">
+                                  <p:stCondLst>
+                                    <p:cond delay="0"/>
+                                  </p:stCondLst>
+                                  <p:childTnLst>
+                                    <p:set>
+                                      <p:cBhvr>
+                                        <p:cTn id="20" dur="1" fill="hold">
+                                          <p:stCondLst>
+                                            <p:cond delay="0"/>
+                                          </p:stCondLst>
+                                        </p:cTn>
+                                        <p:tgtEl>
+                                          <p:spTgt spid="3">
+                                            <p:txEl>
+                                              <p:pRg st="5" end="5"/>
+                                            </p:txEl>
+                                          </p:spTgt>
+                                        </p:tgtEl>
+                                        <p:attrNameLst>
+                                          <p:attrName>style.visibility</p:attrName>
+                                        </p:attrNameLst>
+                                      </p:cBhvr>
+                                      <p:to>
+                                        <p:strVal val="visible"/>
+                                      </p:to>
+                                    </p:set>
+                                  </p:childTnLst>
+                                </p:cTn>
+                              </p:par>
+                              <p:par>
+                                <p:cTn id="21" presetID="1" presetClass="entr" presetSubtype="0" fill="hold" grpId="0" nodeType="withEffect">
+                                  <p:stCondLst>
+                                    <p:cond delay="0"/>
+                                  </p:stCondLst>
+                                  <p:childTnLst>
+                                    <p:set>
+                                      <p:cBhvr>
+                                        <p:cTn id="22" dur="1" fill="hold">
+                                          <p:stCondLst>
+                                            <p:cond delay="0"/>
+                                          </p:stCondLst>
+                                        </p:cTn>
+                                        <p:tgtEl>
+                                          <p:spTgt spid="3">
+                                            <p:txEl>
+                                              <p:pRg st="6" end="6"/>
+                                            </p:txEl>
+                                          </p:spTgt>
+                                        </p:tgtEl>
+                                        <p:attrNameLst>
+                                          <p:attrName>style.visibility</p:attrName>
+                                        </p:attrNameLst>
+                                      </p:cBhvr>
+                                      <p:to>
+                                        <p:strVal val="visible"/>
+                                      </p:to>
+                                    </p:set>
+                                  </p:childTnLst>
+                                </p:cTn>
+                              </p:par>
+                            </p:childTnLst>
+                          </p:cTn>
+                        </p:par>
+                      </p:childTnLst>
+                    </p:cTn>
+                  </p:par>
+                </p:childTnLst>
+              </p:cTn>
+              <p:prevCondLst>
+                <p:cond evt="onPrev" delay="0">
+                  <p:tgtEl>
+                    <p:sldTgt/>
+                  </p:tgtEl>
+                </p:cond>
+              </p:prevCondLst>
+              <p:nextCondLst>
+                <p:cond evt="onNext" delay="0">
+                  <p:tgtEl>
+                    <p:sldTgt/>
+                  </p:tgtEl>
+                </p:cond>
+              </p:nextCondLst>
+            </p:seq>
+          </p:childTnLst>
+        </p:cTn>
+      </p:par>
+    </p:tnLst>
+    <p:bldLst>
+      <p:bldP spid="3" grpId="0" build="p"/>
+    </p:bldLst>
+  </p:timing>
 </p:sld>
 </file>
 
@@ -3893,6 +4646,292 @@
   <p:clrMapOvr>
     <a:masterClrMapping/>
   </p:clrMapOvr>
+  <p:timing>
+    <p:tnLst>
+      <p:par>
+        <p:cTn id="1" dur="indefinite" restart="never" nodeType="tmRoot">
+          <p:childTnLst>
+            <p:seq concurrent="1" nextAc="seek">
+              <p:cTn id="2" dur="indefinite" nodeType="mainSeq">
+                <p:childTnLst>
+                  <p:par>
+                    <p:cTn id="3" fill="hold">
+                      <p:stCondLst>
+                        <p:cond delay="indefinite"/>
+                      </p:stCondLst>
+                      <p:childTnLst>
+                        <p:par>
+                          <p:cTn id="4" fill="hold">
+                            <p:stCondLst>
+                              <p:cond delay="0"/>
+                            </p:stCondLst>
+                            <p:childTnLst>
+                              <p:par>
+                                <p:cTn id="5" presetID="1" presetClass="entr" presetSubtype="0" fill="hold" grpId="0" nodeType="clickEffect">
+                                  <p:stCondLst>
+                                    <p:cond delay="0"/>
+                                  </p:stCondLst>
+                                  <p:childTnLst>
+                                    <p:set>
+                                      <p:cBhvr>
+                                        <p:cTn id="6" dur="1" fill="hold">
+                                          <p:stCondLst>
+                                            <p:cond delay="0"/>
+                                          </p:stCondLst>
+                                        </p:cTn>
+                                        <p:tgtEl>
+                                          <p:spTgt spid="3">
+                                            <p:txEl>
+                                              <p:pRg st="0" end="0"/>
+                                            </p:txEl>
+                                          </p:spTgt>
+                                        </p:tgtEl>
+                                        <p:attrNameLst>
+                                          <p:attrName>style.visibility</p:attrName>
+                                        </p:attrNameLst>
+                                      </p:cBhvr>
+                                      <p:to>
+                                        <p:strVal val="visible"/>
+                                      </p:to>
+                                    </p:set>
+                                  </p:childTnLst>
+                                </p:cTn>
+                              </p:par>
+                              <p:par>
+                                <p:cTn id="7" presetID="1" presetClass="entr" presetSubtype="0" fill="hold" grpId="0" nodeType="withEffect">
+                                  <p:stCondLst>
+                                    <p:cond delay="0"/>
+                                  </p:stCondLst>
+                                  <p:childTnLst>
+                                    <p:set>
+                                      <p:cBhvr>
+                                        <p:cTn id="8" dur="1" fill="hold">
+                                          <p:stCondLst>
+                                            <p:cond delay="0"/>
+                                          </p:stCondLst>
+                                        </p:cTn>
+                                        <p:tgtEl>
+                                          <p:spTgt spid="3">
+                                            <p:txEl>
+                                              <p:pRg st="1" end="1"/>
+                                            </p:txEl>
+                                          </p:spTgt>
+                                        </p:tgtEl>
+                                        <p:attrNameLst>
+                                          <p:attrName>style.visibility</p:attrName>
+                                        </p:attrNameLst>
+                                      </p:cBhvr>
+                                      <p:to>
+                                        <p:strVal val="visible"/>
+                                      </p:to>
+                                    </p:set>
+                                  </p:childTnLst>
+                                </p:cTn>
+                              </p:par>
+                              <p:par>
+                                <p:cTn id="9" presetID="1" presetClass="entr" presetSubtype="0" fill="hold" grpId="0" nodeType="withEffect">
+                                  <p:stCondLst>
+                                    <p:cond delay="0"/>
+                                  </p:stCondLst>
+                                  <p:childTnLst>
+                                    <p:set>
+                                      <p:cBhvr>
+                                        <p:cTn id="10" dur="1" fill="hold">
+                                          <p:stCondLst>
+                                            <p:cond delay="0"/>
+                                          </p:stCondLst>
+                                        </p:cTn>
+                                        <p:tgtEl>
+                                          <p:spTgt spid="3">
+                                            <p:txEl>
+                                              <p:pRg st="2" end="2"/>
+                                            </p:txEl>
+                                          </p:spTgt>
+                                        </p:tgtEl>
+                                        <p:attrNameLst>
+                                          <p:attrName>style.visibility</p:attrName>
+                                        </p:attrNameLst>
+                                      </p:cBhvr>
+                                      <p:to>
+                                        <p:strVal val="visible"/>
+                                      </p:to>
+                                    </p:set>
+                                  </p:childTnLst>
+                                </p:cTn>
+                              </p:par>
+                            </p:childTnLst>
+                          </p:cTn>
+                        </p:par>
+                      </p:childTnLst>
+                    </p:cTn>
+                  </p:par>
+                  <p:par>
+                    <p:cTn id="11" fill="hold">
+                      <p:stCondLst>
+                        <p:cond delay="indefinite"/>
+                      </p:stCondLst>
+                      <p:childTnLst>
+                        <p:par>
+                          <p:cTn id="12" fill="hold">
+                            <p:stCondLst>
+                              <p:cond delay="0"/>
+                            </p:stCondLst>
+                            <p:childTnLst>
+                              <p:par>
+                                <p:cTn id="13" presetID="1" presetClass="entr" presetSubtype="0" fill="hold" grpId="0" nodeType="clickEffect">
+                                  <p:stCondLst>
+                                    <p:cond delay="0"/>
+                                  </p:stCondLst>
+                                  <p:childTnLst>
+                                    <p:set>
+                                      <p:cBhvr>
+                                        <p:cTn id="14" dur="1" fill="hold">
+                                          <p:stCondLst>
+                                            <p:cond delay="0"/>
+                                          </p:stCondLst>
+                                        </p:cTn>
+                                        <p:tgtEl>
+                                          <p:spTgt spid="3">
+                                            <p:txEl>
+                                              <p:pRg st="3" end="3"/>
+                                            </p:txEl>
+                                          </p:spTgt>
+                                        </p:tgtEl>
+                                        <p:attrNameLst>
+                                          <p:attrName>style.visibility</p:attrName>
+                                        </p:attrNameLst>
+                                      </p:cBhvr>
+                                      <p:to>
+                                        <p:strVal val="visible"/>
+                                      </p:to>
+                                    </p:set>
+                                  </p:childTnLst>
+                                </p:cTn>
+                              </p:par>
+                              <p:par>
+                                <p:cTn id="15" presetID="1" presetClass="entr" presetSubtype="0" fill="hold" grpId="0" nodeType="withEffect">
+                                  <p:stCondLst>
+                                    <p:cond delay="0"/>
+                                  </p:stCondLst>
+                                  <p:childTnLst>
+                                    <p:set>
+                                      <p:cBhvr>
+                                        <p:cTn id="16" dur="1" fill="hold">
+                                          <p:stCondLst>
+                                            <p:cond delay="0"/>
+                                          </p:stCondLst>
+                                        </p:cTn>
+                                        <p:tgtEl>
+                                          <p:spTgt spid="3">
+                                            <p:txEl>
+                                              <p:pRg st="4" end="4"/>
+                                            </p:txEl>
+                                          </p:spTgt>
+                                        </p:tgtEl>
+                                        <p:attrNameLst>
+                                          <p:attrName>style.visibility</p:attrName>
+                                        </p:attrNameLst>
+                                      </p:cBhvr>
+                                      <p:to>
+                                        <p:strVal val="visible"/>
+                                      </p:to>
+                                    </p:set>
+                                  </p:childTnLst>
+                                </p:cTn>
+                              </p:par>
+                              <p:par>
+                                <p:cTn id="17" presetID="1" presetClass="entr" presetSubtype="0" fill="hold" grpId="0" nodeType="withEffect">
+                                  <p:stCondLst>
+                                    <p:cond delay="0"/>
+                                  </p:stCondLst>
+                                  <p:childTnLst>
+                                    <p:set>
+                                      <p:cBhvr>
+                                        <p:cTn id="18" dur="1" fill="hold">
+                                          <p:stCondLst>
+                                            <p:cond delay="0"/>
+                                          </p:stCondLst>
+                                        </p:cTn>
+                                        <p:tgtEl>
+                                          <p:spTgt spid="3">
+                                            <p:txEl>
+                                              <p:pRg st="5" end="5"/>
+                                            </p:txEl>
+                                          </p:spTgt>
+                                        </p:tgtEl>
+                                        <p:attrNameLst>
+                                          <p:attrName>style.visibility</p:attrName>
+                                        </p:attrNameLst>
+                                      </p:cBhvr>
+                                      <p:to>
+                                        <p:strVal val="visible"/>
+                                      </p:to>
+                                    </p:set>
+                                  </p:childTnLst>
+                                </p:cTn>
+                              </p:par>
+                              <p:par>
+                                <p:cTn id="19" presetID="1" presetClass="entr" presetSubtype="0" fill="hold" grpId="0" nodeType="withEffect">
+                                  <p:stCondLst>
+                                    <p:cond delay="0"/>
+                                  </p:stCondLst>
+                                  <p:childTnLst>
+                                    <p:set>
+                                      <p:cBhvr>
+                                        <p:cTn id="20" dur="1" fill="hold">
+                                          <p:stCondLst>
+                                            <p:cond delay="0"/>
+                                          </p:stCondLst>
+                                        </p:cTn>
+                                        <p:tgtEl>
+                                          <p:spTgt spid="3">
+                                            <p:txEl>
+                                              <p:pRg st="6" end="6"/>
+                                            </p:txEl>
+                                          </p:spTgt>
+                                        </p:tgtEl>
+                                        <p:attrNameLst>
+                                          <p:attrName>style.visibility</p:attrName>
+                                        </p:attrNameLst>
+                                      </p:cBhvr>
+                                      <p:to>
+                                        <p:strVal val="visible"/>
+                                      </p:to>
+                                    </p:set>
+                                  </p:childTnLst>
+                                </p:cTn>
+                              </p:par>
+                            </p:childTnLst>
+                          </p:cTn>
+                        </p:par>
+                      </p:childTnLst>
+                    </p:cTn>
+                  </p:par>
+                </p:childTnLst>
+              </p:cTn>
+              <p:prevCondLst>
+                <p:cond evt="onPrev" delay="0">
+                  <p:tgtEl>
+                    <p:sldTgt/>
+                  </p:tgtEl>
+                </p:cond>
+              </p:prevCondLst>
+              <p:nextCondLst>
+                <p:cond evt="onNext" delay="0">
+                  <p:tgtEl>
+                    <p:sldTgt/>
+                  </p:tgtEl>
+                </p:cond>
+              </p:nextCondLst>
+            </p:seq>
+          </p:childTnLst>
+        </p:cTn>
+      </p:par>
+    </p:tnLst>
+    <p:bldLst>
+      <p:bldP spid="3" grpId="0" build="p"/>
+    </p:bldLst>
+  </p:timing>
 </p:sld>
 </file>
 
@@ -4039,6 +5078,372 @@
   <p:clrMapOvr>
     <a:masterClrMapping/>
   </p:clrMapOvr>
+  <p:timing>
+    <p:tnLst>
+      <p:par>
+        <p:cTn id="1" dur="indefinite" restart="never" nodeType="tmRoot">
+          <p:childTnLst>
+            <p:seq concurrent="1" nextAc="seek">
+              <p:cTn id="2" dur="indefinite" nodeType="mainSeq">
+                <p:childTnLst>
+                  <p:par>
+                    <p:cTn id="3" fill="hold">
+                      <p:stCondLst>
+                        <p:cond delay="indefinite"/>
+                      </p:stCondLst>
+                      <p:childTnLst>
+                        <p:par>
+                          <p:cTn id="4" fill="hold">
+                            <p:stCondLst>
+                              <p:cond delay="0"/>
+                            </p:stCondLst>
+                            <p:childTnLst>
+                              <p:par>
+                                <p:cTn id="5" presetID="1" presetClass="entr" presetSubtype="0" fill="hold" grpId="0" nodeType="clickEffect">
+                                  <p:stCondLst>
+                                    <p:cond delay="0"/>
+                                  </p:stCondLst>
+                                  <p:childTnLst>
+                                    <p:set>
+                                      <p:cBhvr>
+                                        <p:cTn id="6" dur="1" fill="hold">
+                                          <p:stCondLst>
+                                            <p:cond delay="0"/>
+                                          </p:stCondLst>
+                                        </p:cTn>
+                                        <p:tgtEl>
+                                          <p:spTgt spid="3">
+                                            <p:txEl>
+                                              <p:pRg st="0" end="0"/>
+                                            </p:txEl>
+                                          </p:spTgt>
+                                        </p:tgtEl>
+                                        <p:attrNameLst>
+                                          <p:attrName>style.visibility</p:attrName>
+                                        </p:attrNameLst>
+                                      </p:cBhvr>
+                                      <p:to>
+                                        <p:strVal val="visible"/>
+                                      </p:to>
+                                    </p:set>
+                                  </p:childTnLst>
+                                </p:cTn>
+                              </p:par>
+                              <p:par>
+                                <p:cTn id="7" presetID="1" presetClass="entr" presetSubtype="0" fill="hold" grpId="0" nodeType="withEffect">
+                                  <p:stCondLst>
+                                    <p:cond delay="0"/>
+                                  </p:stCondLst>
+                                  <p:childTnLst>
+                                    <p:set>
+                                      <p:cBhvr>
+                                        <p:cTn id="8" dur="1" fill="hold">
+                                          <p:stCondLst>
+                                            <p:cond delay="0"/>
+                                          </p:stCondLst>
+                                        </p:cTn>
+                                        <p:tgtEl>
+                                          <p:spTgt spid="3">
+                                            <p:txEl>
+                                              <p:pRg st="1" end="1"/>
+                                            </p:txEl>
+                                          </p:spTgt>
+                                        </p:tgtEl>
+                                        <p:attrNameLst>
+                                          <p:attrName>style.visibility</p:attrName>
+                                        </p:attrNameLst>
+                                      </p:cBhvr>
+                                      <p:to>
+                                        <p:strVal val="visible"/>
+                                      </p:to>
+                                    </p:set>
+                                  </p:childTnLst>
+                                </p:cTn>
+                              </p:par>
+                              <p:par>
+                                <p:cTn id="9" presetID="1" presetClass="entr" presetSubtype="0" fill="hold" grpId="0" nodeType="withEffect">
+                                  <p:stCondLst>
+                                    <p:cond delay="0"/>
+                                  </p:stCondLst>
+                                  <p:childTnLst>
+                                    <p:set>
+                                      <p:cBhvr>
+                                        <p:cTn id="10" dur="1" fill="hold">
+                                          <p:stCondLst>
+                                            <p:cond delay="0"/>
+                                          </p:stCondLst>
+                                        </p:cTn>
+                                        <p:tgtEl>
+                                          <p:spTgt spid="3">
+                                            <p:txEl>
+                                              <p:pRg st="2" end="2"/>
+                                            </p:txEl>
+                                          </p:spTgt>
+                                        </p:tgtEl>
+                                        <p:attrNameLst>
+                                          <p:attrName>style.visibility</p:attrName>
+                                        </p:attrNameLst>
+                                      </p:cBhvr>
+                                      <p:to>
+                                        <p:strVal val="visible"/>
+                                      </p:to>
+                                    </p:set>
+                                  </p:childTnLst>
+                                </p:cTn>
+                              </p:par>
+                              <p:par>
+                                <p:cTn id="11" presetID="1" presetClass="entr" presetSubtype="0" fill="hold" grpId="0" nodeType="withEffect">
+                                  <p:stCondLst>
+                                    <p:cond delay="0"/>
+                                  </p:stCondLst>
+                                  <p:childTnLst>
+                                    <p:set>
+                                      <p:cBhvr>
+                                        <p:cTn id="12" dur="1" fill="hold">
+                                          <p:stCondLst>
+                                            <p:cond delay="0"/>
+                                          </p:stCondLst>
+                                        </p:cTn>
+                                        <p:tgtEl>
+                                          <p:spTgt spid="3">
+                                            <p:txEl>
+                                              <p:pRg st="3" end="3"/>
+                                            </p:txEl>
+                                          </p:spTgt>
+                                        </p:tgtEl>
+                                        <p:attrNameLst>
+                                          <p:attrName>style.visibility</p:attrName>
+                                        </p:attrNameLst>
+                                      </p:cBhvr>
+                                      <p:to>
+                                        <p:strVal val="visible"/>
+                                      </p:to>
+                                    </p:set>
+                                  </p:childTnLst>
+                                </p:cTn>
+                              </p:par>
+                            </p:childTnLst>
+                          </p:cTn>
+                        </p:par>
+                      </p:childTnLst>
+                    </p:cTn>
+                  </p:par>
+                  <p:par>
+                    <p:cTn id="13" fill="hold">
+                      <p:stCondLst>
+                        <p:cond delay="indefinite"/>
+                      </p:stCondLst>
+                      <p:childTnLst>
+                        <p:par>
+                          <p:cTn id="14" fill="hold">
+                            <p:stCondLst>
+                              <p:cond delay="0"/>
+                            </p:stCondLst>
+                            <p:childTnLst>
+                              <p:par>
+                                <p:cTn id="15" presetID="1" presetClass="entr" presetSubtype="0" fill="hold" grpId="0" nodeType="clickEffect">
+                                  <p:stCondLst>
+                                    <p:cond delay="0"/>
+                                  </p:stCondLst>
+                                  <p:childTnLst>
+                                    <p:set>
+                                      <p:cBhvr>
+                                        <p:cTn id="16" dur="1" fill="hold">
+                                          <p:stCondLst>
+                                            <p:cond delay="0"/>
+                                          </p:stCondLst>
+                                        </p:cTn>
+                                        <p:tgtEl>
+                                          <p:spTgt spid="3">
+                                            <p:txEl>
+                                              <p:pRg st="4" end="4"/>
+                                            </p:txEl>
+                                          </p:spTgt>
+                                        </p:tgtEl>
+                                        <p:attrNameLst>
+                                          <p:attrName>style.visibility</p:attrName>
+                                        </p:attrNameLst>
+                                      </p:cBhvr>
+                                      <p:to>
+                                        <p:strVal val="visible"/>
+                                      </p:to>
+                                    </p:set>
+                                  </p:childTnLst>
+                                </p:cTn>
+                              </p:par>
+                              <p:par>
+                                <p:cTn id="17" presetID="1" presetClass="entr" presetSubtype="0" fill="hold" grpId="0" nodeType="withEffect">
+                                  <p:stCondLst>
+                                    <p:cond delay="0"/>
+                                  </p:stCondLst>
+                                  <p:childTnLst>
+                                    <p:set>
+                                      <p:cBhvr>
+                                        <p:cTn id="18" dur="1" fill="hold">
+                                          <p:stCondLst>
+                                            <p:cond delay="0"/>
+                                          </p:stCondLst>
+                                        </p:cTn>
+                                        <p:tgtEl>
+                                          <p:spTgt spid="3">
+                                            <p:txEl>
+                                              <p:pRg st="5" end="5"/>
+                                            </p:txEl>
+                                          </p:spTgt>
+                                        </p:tgtEl>
+                                        <p:attrNameLst>
+                                          <p:attrName>style.visibility</p:attrName>
+                                        </p:attrNameLst>
+                                      </p:cBhvr>
+                                      <p:to>
+                                        <p:strVal val="visible"/>
+                                      </p:to>
+                                    </p:set>
+                                  </p:childTnLst>
+                                </p:cTn>
+                              </p:par>
+                              <p:par>
+                                <p:cTn id="19" presetID="1" presetClass="entr" presetSubtype="0" fill="hold" grpId="0" nodeType="withEffect">
+                                  <p:stCondLst>
+                                    <p:cond delay="0"/>
+                                  </p:stCondLst>
+                                  <p:childTnLst>
+                                    <p:set>
+                                      <p:cBhvr>
+                                        <p:cTn id="20" dur="1" fill="hold">
+                                          <p:stCondLst>
+                                            <p:cond delay="0"/>
+                                          </p:stCondLst>
+                                        </p:cTn>
+                                        <p:tgtEl>
+                                          <p:spTgt spid="3">
+                                            <p:txEl>
+                                              <p:pRg st="6" end="6"/>
+                                            </p:txEl>
+                                          </p:spTgt>
+                                        </p:tgtEl>
+                                        <p:attrNameLst>
+                                          <p:attrName>style.visibility</p:attrName>
+                                        </p:attrNameLst>
+                                      </p:cBhvr>
+                                      <p:to>
+                                        <p:strVal val="visible"/>
+                                      </p:to>
+                                    </p:set>
+                                  </p:childTnLst>
+                                </p:cTn>
+                              </p:par>
+                            </p:childTnLst>
+                          </p:cTn>
+                        </p:par>
+                      </p:childTnLst>
+                    </p:cTn>
+                  </p:par>
+                  <p:par>
+                    <p:cTn id="21" fill="hold">
+                      <p:stCondLst>
+                        <p:cond delay="indefinite"/>
+                      </p:stCondLst>
+                      <p:childTnLst>
+                        <p:par>
+                          <p:cTn id="22" fill="hold">
+                            <p:stCondLst>
+                              <p:cond delay="0"/>
+                            </p:stCondLst>
+                            <p:childTnLst>
+                              <p:par>
+                                <p:cTn id="23" presetID="1" presetClass="entr" presetSubtype="0" fill="hold" grpId="0" nodeType="clickEffect">
+                                  <p:stCondLst>
+                                    <p:cond delay="0"/>
+                                  </p:stCondLst>
+                                  <p:childTnLst>
+                                    <p:set>
+                                      <p:cBhvr>
+                                        <p:cTn id="24" dur="1" fill="hold">
+                                          <p:stCondLst>
+                                            <p:cond delay="0"/>
+                                          </p:stCondLst>
+                                        </p:cTn>
+                                        <p:tgtEl>
+                                          <p:spTgt spid="3">
+                                            <p:txEl>
+                                              <p:pRg st="7" end="7"/>
+                                            </p:txEl>
+                                          </p:spTgt>
+                                        </p:tgtEl>
+                                        <p:attrNameLst>
+                                          <p:attrName>style.visibility</p:attrName>
+                                        </p:attrNameLst>
+                                      </p:cBhvr>
+                                      <p:to>
+                                        <p:strVal val="visible"/>
+                                      </p:to>
+                                    </p:set>
+                                  </p:childTnLst>
+                                </p:cTn>
+                              </p:par>
+                              <p:par>
+                                <p:cTn id="25" presetID="1" presetClass="entr" presetSubtype="0" fill="hold" grpId="0" nodeType="withEffect">
+                                  <p:stCondLst>
+                                    <p:cond delay="0"/>
+                                  </p:stCondLst>
+                                  <p:childTnLst>
+                                    <p:set>
+                                      <p:cBhvr>
+                                        <p:cTn id="26" dur="1" fill="hold">
+                                          <p:stCondLst>
+                                            <p:cond delay="0"/>
+                                          </p:stCondLst>
+                                        </p:cTn>
+                                        <p:tgtEl>
+                                          <p:spTgt spid="3">
+                                            <p:txEl>
+                                              <p:pRg st="8" end="8"/>
+                                            </p:txEl>
+                                          </p:spTgt>
+                                        </p:tgtEl>
+                                        <p:attrNameLst>
+                                          <p:attrName>style.visibility</p:attrName>
+                                        </p:attrNameLst>
+                                      </p:cBhvr>
+                                      <p:to>
+                                        <p:strVal val="visible"/>
+                                      </p:to>
+                                    </p:set>
+                                  </p:childTnLst>
+                                </p:cTn>
+                              </p:par>
+                            </p:childTnLst>
+                          </p:cTn>
+                        </p:par>
+                      </p:childTnLst>
+                    </p:cTn>
+                  </p:par>
+                </p:childTnLst>
+              </p:cTn>
+              <p:prevCondLst>
+                <p:cond evt="onPrev" delay="0">
+                  <p:tgtEl>
+                    <p:sldTgt/>
+                  </p:tgtEl>
+                </p:cond>
+              </p:prevCondLst>
+              <p:nextCondLst>
+                <p:cond evt="onNext" delay="0">
+                  <p:tgtEl>
+                    <p:sldTgt/>
+                  </p:tgtEl>
+                </p:cond>
+              </p:nextCondLst>
+            </p:seq>
+          </p:childTnLst>
+        </p:cTn>
+      </p:par>
+    </p:tnLst>
+    <p:bldLst>
+      <p:bldP spid="3" grpId="0" build="p"/>
+    </p:bldLst>
+  </p:timing>
 </p:sld>
 </file>
 
@@ -4188,6 +5593,403 @@
   <p:clrMapOvr>
     <a:masterClrMapping/>
   </p:clrMapOvr>
+  <p:timing>
+    <p:tnLst>
+      <p:par>
+        <p:cTn id="1" dur="indefinite" restart="never" nodeType="tmRoot">
+          <p:childTnLst>
+            <p:seq concurrent="1" nextAc="seek">
+              <p:cTn id="2" dur="indefinite" nodeType="mainSeq">
+                <p:childTnLst>
+                  <p:par>
+                    <p:cTn id="3" fill="hold">
+                      <p:stCondLst>
+                        <p:cond delay="indefinite"/>
+                      </p:stCondLst>
+                      <p:childTnLst>
+                        <p:par>
+                          <p:cTn id="4" fill="hold">
+                            <p:stCondLst>
+                              <p:cond delay="0"/>
+                            </p:stCondLst>
+                            <p:childTnLst>
+                              <p:par>
+                                <p:cTn id="5" presetID="1" presetClass="entr" presetSubtype="0" fill="hold" grpId="0" nodeType="clickEffect">
+                                  <p:stCondLst>
+                                    <p:cond delay="0"/>
+                                  </p:stCondLst>
+                                  <p:childTnLst>
+                                    <p:set>
+                                      <p:cBhvr>
+                                        <p:cTn id="6" dur="1" fill="hold">
+                                          <p:stCondLst>
+                                            <p:cond delay="0"/>
+                                          </p:stCondLst>
+                                        </p:cTn>
+                                        <p:tgtEl>
+                                          <p:spTgt spid="3">
+                                            <p:txEl>
+                                              <p:pRg st="0" end="0"/>
+                                            </p:txEl>
+                                          </p:spTgt>
+                                        </p:tgtEl>
+                                        <p:attrNameLst>
+                                          <p:attrName>style.visibility</p:attrName>
+                                        </p:attrNameLst>
+                                      </p:cBhvr>
+                                      <p:to>
+                                        <p:strVal val="visible"/>
+                                      </p:to>
+                                    </p:set>
+                                  </p:childTnLst>
+                                </p:cTn>
+                              </p:par>
+                              <p:par>
+                                <p:cTn id="7" presetID="1" presetClass="entr" presetSubtype="0" fill="hold" grpId="0" nodeType="withEffect">
+                                  <p:stCondLst>
+                                    <p:cond delay="0"/>
+                                  </p:stCondLst>
+                                  <p:childTnLst>
+                                    <p:set>
+                                      <p:cBhvr>
+                                        <p:cTn id="8" dur="1" fill="hold">
+                                          <p:stCondLst>
+                                            <p:cond delay="0"/>
+                                          </p:stCondLst>
+                                        </p:cTn>
+                                        <p:tgtEl>
+                                          <p:spTgt spid="3">
+                                            <p:txEl>
+                                              <p:pRg st="1" end="1"/>
+                                            </p:txEl>
+                                          </p:spTgt>
+                                        </p:tgtEl>
+                                        <p:attrNameLst>
+                                          <p:attrName>style.visibility</p:attrName>
+                                        </p:attrNameLst>
+                                      </p:cBhvr>
+                                      <p:to>
+                                        <p:strVal val="visible"/>
+                                      </p:to>
+                                    </p:set>
+                                  </p:childTnLst>
+                                </p:cTn>
+                              </p:par>
+                              <p:par>
+                                <p:cTn id="9" presetID="1" presetClass="entr" presetSubtype="0" fill="hold" grpId="0" nodeType="withEffect">
+                                  <p:stCondLst>
+                                    <p:cond delay="0"/>
+                                  </p:stCondLst>
+                                  <p:childTnLst>
+                                    <p:set>
+                                      <p:cBhvr>
+                                        <p:cTn id="10" dur="1" fill="hold">
+                                          <p:stCondLst>
+                                            <p:cond delay="0"/>
+                                          </p:stCondLst>
+                                        </p:cTn>
+                                        <p:tgtEl>
+                                          <p:spTgt spid="3">
+                                            <p:txEl>
+                                              <p:pRg st="2" end="2"/>
+                                            </p:txEl>
+                                          </p:spTgt>
+                                        </p:tgtEl>
+                                        <p:attrNameLst>
+                                          <p:attrName>style.visibility</p:attrName>
+                                        </p:attrNameLst>
+                                      </p:cBhvr>
+                                      <p:to>
+                                        <p:strVal val="visible"/>
+                                      </p:to>
+                                    </p:set>
+                                  </p:childTnLst>
+                                </p:cTn>
+                              </p:par>
+                            </p:childTnLst>
+                          </p:cTn>
+                        </p:par>
+                      </p:childTnLst>
+                    </p:cTn>
+                  </p:par>
+                  <p:par>
+                    <p:cTn id="11" fill="hold">
+                      <p:stCondLst>
+                        <p:cond delay="indefinite"/>
+                      </p:stCondLst>
+                      <p:childTnLst>
+                        <p:par>
+                          <p:cTn id="12" fill="hold">
+                            <p:stCondLst>
+                              <p:cond delay="0"/>
+                            </p:stCondLst>
+                            <p:childTnLst>
+                              <p:par>
+                                <p:cTn id="13" presetID="1" presetClass="entr" presetSubtype="0" fill="hold" grpId="0" nodeType="clickEffect">
+                                  <p:stCondLst>
+                                    <p:cond delay="0"/>
+                                  </p:stCondLst>
+                                  <p:childTnLst>
+                                    <p:set>
+                                      <p:cBhvr>
+                                        <p:cTn id="14" dur="1" fill="hold">
+                                          <p:stCondLst>
+                                            <p:cond delay="0"/>
+                                          </p:stCondLst>
+                                        </p:cTn>
+                                        <p:tgtEl>
+                                          <p:spTgt spid="3">
+                                            <p:txEl>
+                                              <p:pRg st="3" end="3"/>
+                                            </p:txEl>
+                                          </p:spTgt>
+                                        </p:tgtEl>
+                                        <p:attrNameLst>
+                                          <p:attrName>style.visibility</p:attrName>
+                                        </p:attrNameLst>
+                                      </p:cBhvr>
+                                      <p:to>
+                                        <p:strVal val="visible"/>
+                                      </p:to>
+                                    </p:set>
+                                  </p:childTnLst>
+                                </p:cTn>
+                              </p:par>
+                              <p:par>
+                                <p:cTn id="15" presetID="1" presetClass="entr" presetSubtype="0" fill="hold" grpId="0" nodeType="withEffect">
+                                  <p:stCondLst>
+                                    <p:cond delay="0"/>
+                                  </p:stCondLst>
+                                  <p:childTnLst>
+                                    <p:set>
+                                      <p:cBhvr>
+                                        <p:cTn id="16" dur="1" fill="hold">
+                                          <p:stCondLst>
+                                            <p:cond delay="0"/>
+                                          </p:stCondLst>
+                                        </p:cTn>
+                                        <p:tgtEl>
+                                          <p:spTgt spid="3">
+                                            <p:txEl>
+                                              <p:pRg st="4" end="4"/>
+                                            </p:txEl>
+                                          </p:spTgt>
+                                        </p:tgtEl>
+                                        <p:attrNameLst>
+                                          <p:attrName>style.visibility</p:attrName>
+                                        </p:attrNameLst>
+                                      </p:cBhvr>
+                                      <p:to>
+                                        <p:strVal val="visible"/>
+                                      </p:to>
+                                    </p:set>
+                                  </p:childTnLst>
+                                </p:cTn>
+                              </p:par>
+                            </p:childTnLst>
+                          </p:cTn>
+                        </p:par>
+                      </p:childTnLst>
+                    </p:cTn>
+                  </p:par>
+                  <p:par>
+                    <p:cTn id="17" fill="hold">
+                      <p:stCondLst>
+                        <p:cond delay="indefinite"/>
+                      </p:stCondLst>
+                      <p:childTnLst>
+                        <p:par>
+                          <p:cTn id="18" fill="hold">
+                            <p:stCondLst>
+                              <p:cond delay="0"/>
+                            </p:stCondLst>
+                            <p:childTnLst>
+                              <p:par>
+                                <p:cTn id="19" presetID="1" presetClass="entr" presetSubtype="0" fill="hold" grpId="0" nodeType="clickEffect">
+                                  <p:stCondLst>
+                                    <p:cond delay="0"/>
+                                  </p:stCondLst>
+                                  <p:childTnLst>
+                                    <p:set>
+                                      <p:cBhvr>
+                                        <p:cTn id="20" dur="1" fill="hold">
+                                          <p:stCondLst>
+                                            <p:cond delay="0"/>
+                                          </p:stCondLst>
+                                        </p:cTn>
+                                        <p:tgtEl>
+                                          <p:spTgt spid="3">
+                                            <p:txEl>
+                                              <p:pRg st="5" end="5"/>
+                                            </p:txEl>
+                                          </p:spTgt>
+                                        </p:tgtEl>
+                                        <p:attrNameLst>
+                                          <p:attrName>style.visibility</p:attrName>
+                                        </p:attrNameLst>
+                                      </p:cBhvr>
+                                      <p:to>
+                                        <p:strVal val="visible"/>
+                                      </p:to>
+                                    </p:set>
+                                  </p:childTnLst>
+                                </p:cTn>
+                              </p:par>
+                              <p:par>
+                                <p:cTn id="21" presetID="1" presetClass="entr" presetSubtype="0" fill="hold" grpId="0" nodeType="withEffect">
+                                  <p:stCondLst>
+                                    <p:cond delay="0"/>
+                                  </p:stCondLst>
+                                  <p:childTnLst>
+                                    <p:set>
+                                      <p:cBhvr>
+                                        <p:cTn id="22" dur="1" fill="hold">
+                                          <p:stCondLst>
+                                            <p:cond delay="0"/>
+                                          </p:stCondLst>
+                                        </p:cTn>
+                                        <p:tgtEl>
+                                          <p:spTgt spid="3">
+                                            <p:txEl>
+                                              <p:pRg st="6" end="6"/>
+                                            </p:txEl>
+                                          </p:spTgt>
+                                        </p:tgtEl>
+                                        <p:attrNameLst>
+                                          <p:attrName>style.visibility</p:attrName>
+                                        </p:attrNameLst>
+                                      </p:cBhvr>
+                                      <p:to>
+                                        <p:strVal val="visible"/>
+                                      </p:to>
+                                    </p:set>
+                                  </p:childTnLst>
+                                </p:cTn>
+                              </p:par>
+                              <p:par>
+                                <p:cTn id="23" presetID="1" presetClass="entr" presetSubtype="0" fill="hold" grpId="0" nodeType="withEffect">
+                                  <p:stCondLst>
+                                    <p:cond delay="0"/>
+                                  </p:stCondLst>
+                                  <p:childTnLst>
+                                    <p:set>
+                                      <p:cBhvr>
+                                        <p:cTn id="24" dur="1" fill="hold">
+                                          <p:stCondLst>
+                                            <p:cond delay="0"/>
+                                          </p:stCondLst>
+                                        </p:cTn>
+                                        <p:tgtEl>
+                                          <p:spTgt spid="3">
+                                            <p:txEl>
+                                              <p:pRg st="7" end="7"/>
+                                            </p:txEl>
+                                          </p:spTgt>
+                                        </p:tgtEl>
+                                        <p:attrNameLst>
+                                          <p:attrName>style.visibility</p:attrName>
+                                        </p:attrNameLst>
+                                      </p:cBhvr>
+                                      <p:to>
+                                        <p:strVal val="visible"/>
+                                      </p:to>
+                                    </p:set>
+                                  </p:childTnLst>
+                                </p:cTn>
+                              </p:par>
+                              <p:par>
+                                <p:cTn id="25" presetID="1" presetClass="entr" presetSubtype="0" fill="hold" grpId="0" nodeType="withEffect">
+                                  <p:stCondLst>
+                                    <p:cond delay="0"/>
+                                  </p:stCondLst>
+                                  <p:childTnLst>
+                                    <p:set>
+                                      <p:cBhvr>
+                                        <p:cTn id="26" dur="1" fill="hold">
+                                          <p:stCondLst>
+                                            <p:cond delay="0"/>
+                                          </p:stCondLst>
+                                        </p:cTn>
+                                        <p:tgtEl>
+                                          <p:spTgt spid="3">
+                                            <p:txEl>
+                                              <p:pRg st="8" end="8"/>
+                                            </p:txEl>
+                                          </p:spTgt>
+                                        </p:tgtEl>
+                                        <p:attrNameLst>
+                                          <p:attrName>style.visibility</p:attrName>
+                                        </p:attrNameLst>
+                                      </p:cBhvr>
+                                      <p:to>
+                                        <p:strVal val="visible"/>
+                                      </p:to>
+                                    </p:set>
+                                  </p:childTnLst>
+                                </p:cTn>
+                              </p:par>
+                              <p:par>
+                                <p:cTn id="27" presetID="1" presetClass="entr" presetSubtype="0" fill="hold" grpId="0" nodeType="withEffect">
+                                  <p:stCondLst>
+                                    <p:cond delay="0"/>
+                                  </p:stCondLst>
+                                  <p:childTnLst>
+                                    <p:set>
+                                      <p:cBhvr>
+                                        <p:cTn id="28" dur="1" fill="hold">
+                                          <p:stCondLst>
+                                            <p:cond delay="0"/>
+                                          </p:stCondLst>
+                                        </p:cTn>
+                                        <p:tgtEl>
+                                          <p:spTgt spid="3">
+                                            <p:txEl>
+                                              <p:pRg st="9" end="9"/>
+                                            </p:txEl>
+                                          </p:spTgt>
+                                        </p:tgtEl>
+                                        <p:attrNameLst>
+                                          <p:attrName>style.visibility</p:attrName>
+                                        </p:attrNameLst>
+                                      </p:cBhvr>
+                                      <p:to>
+                                        <p:strVal val="visible"/>
+                                      </p:to>
+                                    </p:set>
+                                  </p:childTnLst>
+                                </p:cTn>
+                              </p:par>
+                            </p:childTnLst>
+                          </p:cTn>
+                        </p:par>
+                      </p:childTnLst>
+                    </p:cTn>
+                  </p:par>
+                </p:childTnLst>
+              </p:cTn>
+              <p:prevCondLst>
+                <p:cond evt="onPrev" delay="0">
+                  <p:tgtEl>
+                    <p:sldTgt/>
+                  </p:tgtEl>
+                </p:cond>
+              </p:prevCondLst>
+              <p:nextCondLst>
+                <p:cond evt="onNext" delay="0">
+                  <p:tgtEl>
+                    <p:sldTgt/>
+                  </p:tgtEl>
+                </p:cond>
+              </p:nextCondLst>
+            </p:seq>
+          </p:childTnLst>
+        </p:cTn>
+      </p:par>
+    </p:tnLst>
+    <p:bldLst>
+      <p:bldP spid="3" grpId="0" build="p"/>
+    </p:bldLst>
+  </p:timing>
 </p:sld>
 </file>
 
@@ -4279,11 +6081,7 @@
             <a:pPr lvl="1"/>
             <a:r>
               <a:rPr lang="en-US" dirty="0"/>
-              <a:t>We </a:t>
-            </a:r>
-            <a:r>
-              <a:rPr lang="en-US"/>
-              <a:t>will continue this for now</a:t>
+              <a:t>We will continue this for now</a:t>
             </a:r>
           </a:p>
         </p:txBody>
@@ -4298,6 +6096,199 @@
   <p:clrMapOvr>
     <a:masterClrMapping/>
   </p:clrMapOvr>
+  <p:timing>
+    <p:tnLst>
+      <p:par>
+        <p:cTn id="1" dur="indefinite" restart="never" nodeType="tmRoot">
+          <p:childTnLst>
+            <p:seq concurrent="1" nextAc="seek">
+              <p:cTn id="2" dur="indefinite" nodeType="mainSeq">
+                <p:childTnLst>
+                  <p:par>
+                    <p:cTn id="3" fill="hold">
+                      <p:stCondLst>
+                        <p:cond delay="indefinite"/>
+                      </p:stCondLst>
+                      <p:childTnLst>
+                        <p:par>
+                          <p:cTn id="4" fill="hold">
+                            <p:stCondLst>
+                              <p:cond delay="0"/>
+                            </p:stCondLst>
+                            <p:childTnLst>
+                              <p:par>
+                                <p:cTn id="5" presetID="1" presetClass="entr" presetSubtype="0" fill="hold" grpId="0" nodeType="clickEffect">
+                                  <p:stCondLst>
+                                    <p:cond delay="0"/>
+                                  </p:stCondLst>
+                                  <p:childTnLst>
+                                    <p:set>
+                                      <p:cBhvr>
+                                        <p:cTn id="6" dur="1" fill="hold">
+                                          <p:stCondLst>
+                                            <p:cond delay="0"/>
+                                          </p:stCondLst>
+                                        </p:cTn>
+                                        <p:tgtEl>
+                                          <p:spTgt spid="3">
+                                            <p:txEl>
+                                              <p:pRg st="0" end="0"/>
+                                            </p:txEl>
+                                          </p:spTgt>
+                                        </p:tgtEl>
+                                        <p:attrNameLst>
+                                          <p:attrName>style.visibility</p:attrName>
+                                        </p:attrNameLst>
+                                      </p:cBhvr>
+                                      <p:to>
+                                        <p:strVal val="visible"/>
+                                      </p:to>
+                                    </p:set>
+                                  </p:childTnLst>
+                                </p:cTn>
+                              </p:par>
+                            </p:childTnLst>
+                          </p:cTn>
+                        </p:par>
+                      </p:childTnLst>
+                    </p:cTn>
+                  </p:par>
+                  <p:par>
+                    <p:cTn id="7" fill="hold">
+                      <p:stCondLst>
+                        <p:cond delay="indefinite"/>
+                      </p:stCondLst>
+                      <p:childTnLst>
+                        <p:par>
+                          <p:cTn id="8" fill="hold">
+                            <p:stCondLst>
+                              <p:cond delay="0"/>
+                            </p:stCondLst>
+                            <p:childTnLst>
+                              <p:par>
+                                <p:cTn id="9" presetID="1" presetClass="entr" presetSubtype="0" fill="hold" grpId="0" nodeType="clickEffect">
+                                  <p:stCondLst>
+                                    <p:cond delay="0"/>
+                                  </p:stCondLst>
+                                  <p:childTnLst>
+                                    <p:set>
+                                      <p:cBhvr>
+                                        <p:cTn id="10" dur="1" fill="hold">
+                                          <p:stCondLst>
+                                            <p:cond delay="0"/>
+                                          </p:stCondLst>
+                                        </p:cTn>
+                                        <p:tgtEl>
+                                          <p:spTgt spid="3">
+                                            <p:txEl>
+                                              <p:pRg st="1" end="1"/>
+                                            </p:txEl>
+                                          </p:spTgt>
+                                        </p:tgtEl>
+                                        <p:attrNameLst>
+                                          <p:attrName>style.visibility</p:attrName>
+                                        </p:attrNameLst>
+                                      </p:cBhvr>
+                                      <p:to>
+                                        <p:strVal val="visible"/>
+                                      </p:to>
+                                    </p:set>
+                                  </p:childTnLst>
+                                </p:cTn>
+                              </p:par>
+                              <p:par>
+                                <p:cTn id="11" presetID="1" presetClass="entr" presetSubtype="0" fill="hold" grpId="0" nodeType="withEffect">
+                                  <p:stCondLst>
+                                    <p:cond delay="0"/>
+                                  </p:stCondLst>
+                                  <p:childTnLst>
+                                    <p:set>
+                                      <p:cBhvr>
+                                        <p:cTn id="12" dur="1" fill="hold">
+                                          <p:stCondLst>
+                                            <p:cond delay="0"/>
+                                          </p:stCondLst>
+                                        </p:cTn>
+                                        <p:tgtEl>
+                                          <p:spTgt spid="3">
+                                            <p:txEl>
+                                              <p:pRg st="2" end="2"/>
+                                            </p:txEl>
+                                          </p:spTgt>
+                                        </p:tgtEl>
+                                        <p:attrNameLst>
+                                          <p:attrName>style.visibility</p:attrName>
+                                        </p:attrNameLst>
+                                      </p:cBhvr>
+                                      <p:to>
+                                        <p:strVal val="visible"/>
+                                      </p:to>
+                                    </p:set>
+                                  </p:childTnLst>
+                                </p:cTn>
+                              </p:par>
+                              <p:par>
+                                <p:cTn id="13" presetID="1" presetClass="entr" presetSubtype="0" fill="hold" grpId="0" nodeType="withEffect">
+                                  <p:stCondLst>
+                                    <p:cond delay="0"/>
+                                  </p:stCondLst>
+                                  <p:childTnLst>
+                                    <p:set>
+                                      <p:cBhvr>
+                                        <p:cTn id="14" dur="1" fill="hold">
+                                          <p:stCondLst>
+                                            <p:cond delay="0"/>
+                                          </p:stCondLst>
+                                        </p:cTn>
+                                        <p:tgtEl>
+                                          <p:spTgt spid="3">
+                                            <p:txEl>
+                                              <p:pRg st="3" end="3"/>
+                                            </p:txEl>
+                                          </p:spTgt>
+                                        </p:tgtEl>
+                                        <p:attrNameLst>
+                                          <p:attrName>style.visibility</p:attrName>
+                                        </p:attrNameLst>
+                                      </p:cBhvr>
+                                      <p:to>
+                                        <p:strVal val="visible"/>
+                                      </p:to>
+                                    </p:set>
+                                  </p:childTnLst>
+                                </p:cTn>
+                              </p:par>
+                            </p:childTnLst>
+                          </p:cTn>
+                        </p:par>
+                      </p:childTnLst>
+                    </p:cTn>
+                  </p:par>
+                </p:childTnLst>
+              </p:cTn>
+              <p:prevCondLst>
+                <p:cond evt="onPrev" delay="0">
+                  <p:tgtEl>
+                    <p:sldTgt/>
+                  </p:tgtEl>
+                </p:cond>
+              </p:prevCondLst>
+              <p:nextCondLst>
+                <p:cond evt="onNext" delay="0">
+                  <p:tgtEl>
+                    <p:sldTgt/>
+                  </p:tgtEl>
+                </p:cond>
+              </p:nextCondLst>
+            </p:seq>
+          </p:childTnLst>
+        </p:cTn>
+      </p:par>
+    </p:tnLst>
+    <p:bldLst>
+      <p:bldP spid="3" grpId="0" build="p"/>
+    </p:bldLst>
+  </p:timing>
 </p:sld>
 </file>
 
